--- a/FoxFoxFoo.pptx
+++ b/FoxFoxFoo.pptx
@@ -12745,8 +12745,8 @@
           <p:nvPr/>
         </p:nvSpPr>
         <p:spPr>
-          <a:xfrm rot="19691202">
-            <a:off x="3782841" y="1800745"/>
+          <a:xfrm rot="20618061">
+            <a:off x="3585150" y="1860986"/>
             <a:ext cx="1344229" cy="461665"/>
           </a:xfrm>
           <a:prstGeom prst="rect">
@@ -12786,16 +12786,16 @@
         </p:nvSpPr>
         <p:spPr>
           <a:xfrm>
-            <a:off x="4588962" y="594731"/>
-            <a:ext cx="2426359" cy="2113112"/>
+            <a:off x="3530812" y="130294"/>
+            <a:ext cx="4358942" cy="3835861"/>
           </a:xfrm>
           <a:prstGeom prst="circularArrow">
             <a:avLst>
-              <a:gd name="adj1" fmla="val 13322"/>
-              <a:gd name="adj2" fmla="val 1161230"/>
-              <a:gd name="adj3" fmla="val 20605560"/>
-              <a:gd name="adj4" fmla="val 10800000"/>
-              <a:gd name="adj5" fmla="val 23430"/>
+              <a:gd name="adj1" fmla="val 5085"/>
+              <a:gd name="adj2" fmla="val 1064843"/>
+              <a:gd name="adj3" fmla="val 19070627"/>
+              <a:gd name="adj4" fmla="val 11316752"/>
+              <a:gd name="adj5" fmla="val 17197"/>
             </a:avLst>
           </a:prstGeom>
           <a:solidFill>
@@ -18047,20 +18047,20 @@
 </file>
 
 <file path=customXml/item2.xml><?xml version="1.0" encoding="utf-8"?>
-<p:properties xmlns:p="http://schemas.microsoft.com/office/2006/metadata/properties" xmlns:xsi="http://www.w3.org/2001/XMLSchema-instance" xmlns:pc="http://schemas.microsoft.com/office/infopath/2007/PartnerControls">
-  <documentManagement>
-    <MediaServiceKeyPoints xmlns="71af3243-3dd4-4a8d-8c0d-dd76da1f02a5" xsi:nil="true"/>
-  </documentManagement>
-</p:properties>
-</file>
-
-<file path=customXml/item3.xml><?xml version="1.0" encoding="utf-8"?>
 <?mso-contentType ?>
 <FormTemplates xmlns="http://schemas.microsoft.com/sharepoint/v3/contenttype/forms">
   <Display>DocumentLibraryForm</Display>
   <Edit>DocumentLibraryForm</Edit>
   <New>DocumentLibraryForm</New>
 </FormTemplates>
+</file>
+
+<file path=customXml/item3.xml><?xml version="1.0" encoding="utf-8"?>
+<p:properties xmlns:p="http://schemas.microsoft.com/office/2006/metadata/properties" xmlns:xsi="http://www.w3.org/2001/XMLSchema-instance" xmlns:pc="http://schemas.microsoft.com/office/infopath/2007/PartnerControls">
+  <documentManagement>
+    <MediaServiceKeyPoints xmlns="71af3243-3dd4-4a8d-8c0d-dd76da1f02a5" xsi:nil="true"/>
+  </documentManagement>
+</p:properties>
 </file>
 
 <file path=customXml/itemProps1.xml><?xml version="1.0" encoding="utf-8"?>
@@ -18083,6 +18083,14 @@
 </file>
 
 <file path=customXml/itemProps2.xml><?xml version="1.0" encoding="utf-8"?>
+<ds:datastoreItem xmlns:ds="http://schemas.openxmlformats.org/officeDocument/2006/customXml" ds:itemID="{2FD05317-60D6-4B3A-8545-888496D1A8EC}">
+  <ds:schemaRefs>
+    <ds:schemaRef ds:uri="http://schemas.microsoft.com/sharepoint/v3/contenttype/forms"/>
+  </ds:schemaRefs>
+</ds:datastoreItem>
+</file>
+
+<file path=customXml/itemProps3.xml><?xml version="1.0" encoding="utf-8"?>
 <ds:datastoreItem xmlns:ds="http://schemas.openxmlformats.org/officeDocument/2006/customXml" ds:itemID="{EF609EDA-869E-4BE5-AE5D-B898C584B6FF}">
   <ds:schemaRefs>
     <ds:schemaRef ds:uri="http://purl.org/dc/terms/"/>
@@ -18097,12 +18105,4 @@
     <ds:schemaRef ds:uri="http://www.w3.org/XML/1998/namespace"/>
   </ds:schemaRefs>
 </ds:datastoreItem>
-</file>
-
-<file path=customXml/itemProps3.xml><?xml version="1.0" encoding="utf-8"?>
-<ds:datastoreItem xmlns:ds="http://schemas.openxmlformats.org/officeDocument/2006/customXml" ds:itemID="{2FD05317-60D6-4B3A-8545-888496D1A8EC}">
-  <ds:schemaRefs>
-    <ds:schemaRef ds:uri="http://schemas.microsoft.com/sharepoint/v3/contenttype/forms"/>
-  </ds:schemaRefs>
-</ds:datastoreItem>
 </file>
--- a/FoxFoxFoo.pptx
+++ b/FoxFoxFoo.pptx
@@ -5,10 +5,10 @@
     <p:sldMasterId id="2147483648" r:id="rId4"/>
   </p:sldMasterIdLst>
   <p:notesMasterIdLst>
-    <p:notesMasterId r:id="rId17"/>
+    <p:notesMasterId r:id="rId18"/>
   </p:notesMasterIdLst>
   <p:handoutMasterIdLst>
-    <p:handoutMasterId r:id="rId18"/>
+    <p:handoutMasterId r:id="rId19"/>
   </p:handoutMasterIdLst>
   <p:sldIdLst>
     <p:sldId id="256" r:id="rId5"/>
@@ -22,7 +22,8 @@
     <p:sldId id="293" r:id="rId13"/>
     <p:sldId id="294" r:id="rId14"/>
     <p:sldId id="295" r:id="rId15"/>
-    <p:sldId id="285" r:id="rId16"/>
+    <p:sldId id="296" r:id="rId16"/>
+    <p:sldId id="285" r:id="rId17"/>
   </p:sldIdLst>
   <p:sldSz cx="12192000" cy="6858000"/>
   <p:notesSz cx="6858000" cy="9144000"/>
@@ -183,12 +184,26 @@
 </p:cmLst>
 </file>
 
-<file path=ppt/comments/comment2.xml><?xml version="1.0" encoding="utf-8"?>
+<file path=ppt/comments/comment10.xml><?xml version="1.0" encoding="utf-8"?>
 <p:cmLst xmlns:a="http://schemas.openxmlformats.org/drawingml/2006/main" xmlns:r="http://schemas.openxmlformats.org/officeDocument/2006/relationships" xmlns:p="http://schemas.openxmlformats.org/presentationml/2006/main">
   <p:cm authorId="2" dt="2019-11-14T20:45:17.892" idx="1">
     <p:pos x="10" y="10"/>
     <p:text/>
     <p:extLst>
+      <p:ext uri="{C676402C-5697-4E1C-873F-D02D1690AC5C}">
+        <p15:threadingInfo xmlns:p15="http://schemas.microsoft.com/office/powerpoint/2012/main" timeZoneBias="360"/>
+      </p:ext>
+    </p:extLst>
+  </p:cm>
+</p:cmLst>
+</file>
+
+<file path=ppt/comments/comment2.xml><?xml version="1.0" encoding="utf-8"?>
+<p:cmLst xmlns:a="http://schemas.openxmlformats.org/drawingml/2006/main" xmlns:r="http://schemas.openxmlformats.org/officeDocument/2006/relationships" xmlns:p="http://schemas.openxmlformats.org/presentationml/2006/main">
+  <p:cm authorId="2" dt="2019-11-14T20:45:17.892" idx="1">
+    <p:pos x="23" y="27"/>
+    <p:text/>
+    <p:extLst mod="1">
       <p:ext uri="{C676402C-5697-4E1C-873F-D02D1690AC5C}">
         <p15:threadingInfo xmlns:p15="http://schemas.microsoft.com/office/powerpoint/2012/main" timeZoneBias="360"/>
       </p:ext>
@@ -389,7 +404,7 @@
           <a:p>
             <a:fld id="{6E5C0719-993D-42E1-80ED-8F01056F36C2}" type="datetimeFigureOut">
               <a:rPr lang="en-US" smtClean="0"/>
-              <a:t>11/21/2019</a:t>
+              <a:t>11/24/2019</a:t>
             </a:fld>
             <a:endParaRPr lang="en-US" dirty="0"/>
           </a:p>
@@ -566,7 +581,7 @@
           <a:p>
             <a:fld id="{21D3BC9C-6C58-464F-B94E-FD73C5FB016E}" type="datetimeFigureOut">
               <a:rPr lang="en-US" smtClean="0"/>
-              <a:t>11/21/2019</a:t>
+              <a:t>11/24/2019</a:t>
             </a:fld>
             <a:endParaRPr lang="en-US" dirty="0"/>
           </a:p>
@@ -1129,7 +1144,22 @@
           <a:bodyPr/>
           <a:lstStyle/>
           <a:p>
-            <a:endParaRPr lang="en-US" dirty="0"/>
+            <a:r>
+              <a:rPr lang="en-US" dirty="0"/>
+              <a:t>Lizzy – 100% free</a:t>
+            </a:r>
+          </a:p>
+          <a:p>
+            <a:r>
+              <a:rPr lang="en-US" dirty="0"/>
+              <a:t>Jay – Free after 1:20pm</a:t>
+            </a:r>
+          </a:p>
+          <a:p>
+            <a:r>
+              <a:rPr lang="en-US" dirty="0"/>
+              <a:t>Joseph - unknown</a:t>
+            </a:r>
           </a:p>
         </p:txBody>
       </p:sp>
@@ -1151,6 +1181,90 @@
             <a:fld id="{BE60DC36-8EFA-4378-9855-E019C55AC472}" type="slidenum">
               <a:rPr lang="en-US" smtClean="0"/>
               <a:t>12</a:t>
+            </a:fld>
+            <a:endParaRPr lang="en-US" dirty="0"/>
+          </a:p>
+        </p:txBody>
+      </p:sp>
+    </p:spTree>
+    <p:extLst>
+      <p:ext uri="{BB962C8B-B14F-4D97-AF65-F5344CB8AC3E}">
+        <p14:creationId xmlns:p14="http://schemas.microsoft.com/office/powerpoint/2010/main" val="3896576413"/>
+      </p:ext>
+    </p:extLst>
+  </p:cSld>
+  <p:clrMapOvr>
+    <a:masterClrMapping/>
+  </p:clrMapOvr>
+</p:notes>
+</file>
+
+<file path=ppt/notesSlides/notesSlide13.xml><?xml version="1.0" encoding="utf-8"?>
+<p:notes xmlns:a="http://schemas.openxmlformats.org/drawingml/2006/main" xmlns:r="http://schemas.openxmlformats.org/officeDocument/2006/relationships" xmlns:p="http://schemas.openxmlformats.org/presentationml/2006/main">
+  <p:cSld>
+    <p:spTree>
+      <p:nvGrpSpPr>
+        <p:cNvPr id="1" name=""/>
+        <p:cNvGrpSpPr/>
+        <p:nvPr/>
+      </p:nvGrpSpPr>
+      <p:grpSpPr>
+        <a:xfrm>
+          <a:off x="0" y="0"/>
+          <a:ext cx="0" cy="0"/>
+          <a:chOff x="0" y="0"/>
+          <a:chExt cx="0" cy="0"/>
+        </a:xfrm>
+      </p:grpSpPr>
+      <p:sp>
+        <p:nvSpPr>
+          <p:cNvPr id="2" name="Slide Image Placeholder 1"/>
+          <p:cNvSpPr>
+            <a:spLocks noGrp="1" noRot="1" noChangeAspect="1"/>
+          </p:cNvSpPr>
+          <p:nvPr>
+            <p:ph type="sldImg"/>
+          </p:nvPr>
+        </p:nvSpPr>
+        <p:spPr/>
+      </p:sp>
+      <p:sp>
+        <p:nvSpPr>
+          <p:cNvPr id="3" name="Notes Placeholder 2"/>
+          <p:cNvSpPr>
+            <a:spLocks noGrp="1"/>
+          </p:cNvSpPr>
+          <p:nvPr>
+            <p:ph type="body" idx="1"/>
+          </p:nvPr>
+        </p:nvSpPr>
+        <p:spPr/>
+        <p:txBody>
+          <a:bodyPr/>
+          <a:lstStyle/>
+          <a:p>
+            <a:endParaRPr lang="en-US" dirty="0"/>
+          </a:p>
+        </p:txBody>
+      </p:sp>
+      <p:sp>
+        <p:nvSpPr>
+          <p:cNvPr id="4" name="Slide Number Placeholder 3"/>
+          <p:cNvSpPr>
+            <a:spLocks noGrp="1"/>
+          </p:cNvSpPr>
+          <p:nvPr>
+            <p:ph type="sldNum" sz="quarter" idx="5"/>
+          </p:nvPr>
+        </p:nvSpPr>
+        <p:spPr/>
+        <p:txBody>
+          <a:bodyPr/>
+          <a:lstStyle/>
+          <a:p>
+            <a:fld id="{BE60DC36-8EFA-4378-9855-E019C55AC472}" type="slidenum">
+              <a:rPr lang="en-US" smtClean="0"/>
+              <a:t>13</a:t>
             </a:fld>
             <a:endParaRPr lang="en-US" dirty="0"/>
           </a:p>
@@ -2084,7 +2198,7 @@
           <a:p>
             <a:fld id="{40DA1498-92C7-4E4B-8045-C9195F453964}" type="datetimeFigureOut">
               <a:rPr lang="en-US" smtClean="0"/>
-              <a:t>11/21/2019</a:t>
+              <a:t>11/24/2019</a:t>
             </a:fld>
             <a:endParaRPr lang="en-US" dirty="0"/>
           </a:p>
@@ -2282,7 +2396,7 @@
           <a:p>
             <a:fld id="{40DA1498-92C7-4E4B-8045-C9195F453964}" type="datetimeFigureOut">
               <a:rPr lang="en-US" smtClean="0"/>
-              <a:t>11/21/2019</a:t>
+              <a:t>11/24/2019</a:t>
             </a:fld>
             <a:endParaRPr lang="en-US" dirty="0"/>
           </a:p>
@@ -2490,7 +2604,7 @@
           <a:p>
             <a:fld id="{40DA1498-92C7-4E4B-8045-C9195F453964}" type="datetimeFigureOut">
               <a:rPr lang="en-US" smtClean="0"/>
-              <a:t>11/21/2019</a:t>
+              <a:t>11/24/2019</a:t>
             </a:fld>
             <a:endParaRPr lang="en-US" dirty="0"/>
           </a:p>
@@ -2688,7 +2802,7 @@
           <a:p>
             <a:fld id="{40DA1498-92C7-4E4B-8045-C9195F453964}" type="datetimeFigureOut">
               <a:rPr lang="en-US" smtClean="0"/>
-              <a:t>11/21/2019</a:t>
+              <a:t>11/24/2019</a:t>
             </a:fld>
             <a:endParaRPr lang="en-US" dirty="0"/>
           </a:p>
@@ -2963,7 +3077,7 @@
           <a:p>
             <a:fld id="{40DA1498-92C7-4E4B-8045-C9195F453964}" type="datetimeFigureOut">
               <a:rPr lang="en-US" smtClean="0"/>
-              <a:t>11/21/2019</a:t>
+              <a:t>11/24/2019</a:t>
             </a:fld>
             <a:endParaRPr lang="en-US" dirty="0"/>
           </a:p>
@@ -3228,7 +3342,7 @@
           <a:p>
             <a:fld id="{40DA1498-92C7-4E4B-8045-C9195F453964}" type="datetimeFigureOut">
               <a:rPr lang="en-US" smtClean="0"/>
-              <a:t>11/21/2019</a:t>
+              <a:t>11/24/2019</a:t>
             </a:fld>
             <a:endParaRPr lang="en-US" dirty="0"/>
           </a:p>
@@ -3640,7 +3754,7 @@
           <a:p>
             <a:fld id="{40DA1498-92C7-4E4B-8045-C9195F453964}" type="datetimeFigureOut">
               <a:rPr lang="en-US" smtClean="0"/>
-              <a:t>11/21/2019</a:t>
+              <a:t>11/24/2019</a:t>
             </a:fld>
             <a:endParaRPr lang="en-US" dirty="0"/>
           </a:p>
@@ -3781,7 +3895,7 @@
           <a:p>
             <a:fld id="{40DA1498-92C7-4E4B-8045-C9195F453964}" type="datetimeFigureOut">
               <a:rPr lang="en-US" smtClean="0"/>
-              <a:t>11/21/2019</a:t>
+              <a:t>11/24/2019</a:t>
             </a:fld>
             <a:endParaRPr lang="en-US" dirty="0"/>
           </a:p>
@@ -3894,7 +4008,7 @@
           <a:p>
             <a:fld id="{40DA1498-92C7-4E4B-8045-C9195F453964}" type="datetimeFigureOut">
               <a:rPr lang="en-US" smtClean="0"/>
-              <a:t>11/21/2019</a:t>
+              <a:t>11/24/2019</a:t>
             </a:fld>
             <a:endParaRPr lang="en-US" dirty="0"/>
           </a:p>
@@ -4205,7 +4319,7 @@
           <a:p>
             <a:fld id="{40DA1498-92C7-4E4B-8045-C9195F453964}" type="datetimeFigureOut">
               <a:rPr lang="en-US" smtClean="0"/>
-              <a:t>11/21/2019</a:t>
+              <a:t>11/24/2019</a:t>
             </a:fld>
             <a:endParaRPr lang="en-US" dirty="0"/>
           </a:p>
@@ -4497,7 +4611,7 @@
           <a:p>
             <a:fld id="{40DA1498-92C7-4E4B-8045-C9195F453964}" type="datetimeFigureOut">
               <a:rPr lang="en-US" smtClean="0"/>
-              <a:t>11/21/2019</a:t>
+              <a:t>11/24/2019</a:t>
             </a:fld>
             <a:endParaRPr lang="en-US" dirty="0"/>
           </a:p>
@@ -4738,7 +4852,7 @@
           <a:p>
             <a:fld id="{40DA1498-92C7-4E4B-8045-C9195F453964}" type="datetimeFigureOut">
               <a:rPr lang="en-US" smtClean="0"/>
-              <a:t>11/21/2019</a:t>
+              <a:t>11/24/2019</a:t>
             </a:fld>
             <a:endParaRPr lang="en-US" dirty="0"/>
           </a:p>
@@ -7371,6 +7485,399 @@
 </file>
 
 <file path=ppt/slides/slide12.xml><?xml version="1.0" encoding="utf-8"?>
+<p:sld xmlns:a="http://schemas.openxmlformats.org/drawingml/2006/main" xmlns:r="http://schemas.openxmlformats.org/officeDocument/2006/relationships" xmlns:p="http://schemas.openxmlformats.org/presentationml/2006/main">
+  <p:cSld>
+    <p:spTree>
+      <p:nvGrpSpPr>
+        <p:cNvPr id="1" name=""/>
+        <p:cNvGrpSpPr/>
+        <p:nvPr/>
+      </p:nvGrpSpPr>
+      <p:grpSpPr>
+        <a:xfrm>
+          <a:off x="0" y="0"/>
+          <a:ext cx="0" cy="0"/>
+          <a:chOff x="0" y="0"/>
+          <a:chExt cx="0" cy="0"/>
+        </a:xfrm>
+      </p:grpSpPr>
+      <p:sp>
+        <p:nvSpPr>
+          <p:cNvPr id="9" name="Title 8" hidden="1">
+            <a:extLst>
+              <a:ext uri="{FF2B5EF4-FFF2-40B4-BE49-F238E27FC236}">
+                <a16:creationId xmlns:a16="http://schemas.microsoft.com/office/drawing/2014/main" id="{9FDB6406-0CDB-4213-A1B6-DE47D953FED3}"/>
+              </a:ext>
+            </a:extLst>
+          </p:cNvPr>
+          <p:cNvSpPr>
+            <a:spLocks noGrp="1"/>
+          </p:cNvSpPr>
+          <p:nvPr>
+            <p:ph type="title" idx="4294967295"/>
+          </p:nvPr>
+        </p:nvSpPr>
+        <p:spPr>
+          <a:xfrm>
+            <a:off x="0" y="365125"/>
+            <a:ext cx="10515600" cy="1325563"/>
+          </a:xfrm>
+        </p:spPr>
+        <p:txBody>
+          <a:bodyPr/>
+          <a:lstStyle/>
+          <a:p>
+            <a:r>
+              <a:rPr lang="en-US" dirty="0"/>
+              <a:t>Project analysis slide 3</a:t>
+            </a:r>
+          </a:p>
+        </p:txBody>
+      </p:sp>
+      <p:cxnSp>
+        <p:nvCxnSpPr>
+          <p:cNvPr id="8" name="Straight Connector 7">
+            <a:extLst>
+              <a:ext uri="{FF2B5EF4-FFF2-40B4-BE49-F238E27FC236}">
+                <a16:creationId xmlns:a16="http://schemas.microsoft.com/office/drawing/2014/main" id="{D0986099-F5F2-4E8B-BE17-81194861A00C}"/>
+              </a:ext>
+              <a:ext uri="{C183D7F6-B498-43B3-948B-1728B52AA6E4}">
+                <adec:decorative xmlns:adec="http://schemas.microsoft.com/office/drawing/2017/decorative" val="1"/>
+              </a:ext>
+            </a:extLst>
+          </p:cNvPr>
+          <p:cNvCxnSpPr>
+            <a:cxnSpLocks/>
+          </p:cNvCxnSpPr>
+          <p:nvPr/>
+        </p:nvCxnSpPr>
+        <p:spPr>
+          <a:xfrm>
+            <a:off x="8105775" y="522898"/>
+            <a:ext cx="4086225" cy="0"/>
+          </a:xfrm>
+          <a:prstGeom prst="line">
+            <a:avLst/>
+          </a:prstGeom>
+          <a:ln>
+            <a:solidFill>
+              <a:schemeClr val="accent3">
+                <a:lumMod val="50000"/>
+              </a:schemeClr>
+            </a:solidFill>
+            <a:headEnd type="oval"/>
+          </a:ln>
+        </p:spPr>
+        <p:style>
+          <a:lnRef idx="1">
+            <a:schemeClr val="accent1"/>
+          </a:lnRef>
+          <a:fillRef idx="0">
+            <a:schemeClr val="accent1"/>
+          </a:fillRef>
+          <a:effectRef idx="0">
+            <a:schemeClr val="accent1"/>
+          </a:effectRef>
+          <a:fontRef idx="minor">
+            <a:schemeClr val="tx1"/>
+          </a:fontRef>
+        </p:style>
+      </p:cxnSp>
+      <p:sp>
+        <p:nvSpPr>
+          <p:cNvPr id="11" name="Title 1">
+            <a:extLst>
+              <a:ext uri="{FF2B5EF4-FFF2-40B4-BE49-F238E27FC236}">
+                <a16:creationId xmlns:a16="http://schemas.microsoft.com/office/drawing/2014/main" id="{4E3F5479-058B-4FA8-92E9-18CAB8CDC5C5}"/>
+              </a:ext>
+            </a:extLst>
+          </p:cNvPr>
+          <p:cNvSpPr txBox="1">
+            <a:spLocks/>
+          </p:cNvSpPr>
+          <p:nvPr/>
+        </p:nvSpPr>
+        <p:spPr>
+          <a:xfrm>
+            <a:off x="228600" y="190500"/>
+            <a:ext cx="11734800" cy="387798"/>
+          </a:xfrm>
+          <a:prstGeom prst="rect">
+            <a:avLst/>
+          </a:prstGeom>
+        </p:spPr>
+        <p:txBody>
+          <a:bodyPr vert="horz" wrap="square" lIns="0" tIns="0" rIns="0" bIns="0" rtlCol="0" anchor="t">
+            <a:spAutoFit/>
+          </a:bodyPr>
+          <a:lstStyle>
+            <a:lvl1pPr algn="l" defTabSz="914400" rtl="0" eaLnBrk="1" latinLnBrk="0" hangingPunct="1">
+              <a:lnSpc>
+                <a:spcPct val="90000"/>
+              </a:lnSpc>
+              <a:spcBef>
+                <a:spcPct val="0"/>
+              </a:spcBef>
+              <a:buNone/>
+              <a:defRPr sz="4400" kern="1200">
+                <a:solidFill>
+                  <a:schemeClr val="tx1"/>
+                </a:solidFill>
+                <a:latin typeface="+mj-lt"/>
+                <a:ea typeface="+mj-ea"/>
+                <a:cs typeface="+mj-cs"/>
+              </a:defRPr>
+            </a:lvl1pPr>
+          </a:lstStyle>
+          <a:p>
+            <a:pPr algn="ctr"/>
+            <a:r>
+              <a:rPr lang="en-US" sz="2800" b="1" dirty="0">
+                <a:solidFill>
+                  <a:schemeClr val="tx1">
+                    <a:lumMod val="75000"/>
+                    <a:lumOff val="25000"/>
+                  </a:schemeClr>
+                </a:solidFill>
+              </a:rPr>
+              <a:t>Fox </a:t>
+            </a:r>
+            <a:r>
+              <a:rPr lang="en-US" sz="2800" b="1" dirty="0" err="1">
+                <a:solidFill>
+                  <a:schemeClr val="tx1">
+                    <a:lumMod val="75000"/>
+                    <a:lumOff val="25000"/>
+                  </a:schemeClr>
+                </a:solidFill>
+              </a:rPr>
+              <a:t>Fox</a:t>
+            </a:r>
+            <a:r>
+              <a:rPr lang="en-US" sz="2800" b="1" dirty="0">
+                <a:solidFill>
+                  <a:schemeClr val="tx1">
+                    <a:lumMod val="75000"/>
+                    <a:lumOff val="25000"/>
+                  </a:schemeClr>
+                </a:solidFill>
+              </a:rPr>
+              <a:t> Foo</a:t>
+            </a:r>
+            <a:endParaRPr lang="en-US" sz="2800" dirty="0">
+              <a:solidFill>
+                <a:schemeClr val="tx1">
+                  <a:lumMod val="75000"/>
+                  <a:lumOff val="25000"/>
+                </a:schemeClr>
+              </a:solidFill>
+            </a:endParaRPr>
+          </a:p>
+        </p:txBody>
+      </p:sp>
+      <p:cxnSp>
+        <p:nvCxnSpPr>
+          <p:cNvPr id="14" name="Straight Connector 13">
+            <a:extLst>
+              <a:ext uri="{FF2B5EF4-FFF2-40B4-BE49-F238E27FC236}">
+                <a16:creationId xmlns:a16="http://schemas.microsoft.com/office/drawing/2014/main" id="{83E690F4-843A-47A5-8620-4FB01C0D8E68}"/>
+              </a:ext>
+              <a:ext uri="{C183D7F6-B498-43B3-948B-1728B52AA6E4}">
+                <adec:decorative xmlns:adec="http://schemas.microsoft.com/office/drawing/2017/decorative" val="1"/>
+              </a:ext>
+            </a:extLst>
+          </p:cNvPr>
+          <p:cNvCxnSpPr>
+            <a:cxnSpLocks/>
+          </p:cNvCxnSpPr>
+          <p:nvPr/>
+        </p:nvCxnSpPr>
+        <p:spPr>
+          <a:xfrm>
+            <a:off x="0" y="522898"/>
+            <a:ext cx="4086225" cy="0"/>
+          </a:xfrm>
+          <a:prstGeom prst="line">
+            <a:avLst/>
+          </a:prstGeom>
+          <a:ln>
+            <a:solidFill>
+              <a:schemeClr val="accent3">
+                <a:lumMod val="50000"/>
+              </a:schemeClr>
+            </a:solidFill>
+            <a:tailEnd type="oval"/>
+          </a:ln>
+        </p:spPr>
+        <p:style>
+          <a:lnRef idx="1">
+            <a:schemeClr val="accent1"/>
+          </a:lnRef>
+          <a:fillRef idx="0">
+            <a:schemeClr val="accent1"/>
+          </a:fillRef>
+          <a:effectRef idx="0">
+            <a:schemeClr val="accent1"/>
+          </a:effectRef>
+          <a:fontRef idx="minor">
+            <a:schemeClr val="tx1"/>
+          </a:fontRef>
+        </p:style>
+      </p:cxnSp>
+      <p:sp>
+        <p:nvSpPr>
+          <p:cNvPr id="5" name="TextBox 4">
+            <a:extLst>
+              <a:ext uri="{FF2B5EF4-FFF2-40B4-BE49-F238E27FC236}">
+                <a16:creationId xmlns:a16="http://schemas.microsoft.com/office/drawing/2014/main" id="{9499460F-0408-4B89-AD3E-843C97C24F60}"/>
+              </a:ext>
+            </a:extLst>
+          </p:cNvPr>
+          <p:cNvSpPr txBox="1"/>
+          <p:nvPr/>
+        </p:nvSpPr>
+        <p:spPr>
+          <a:xfrm>
+            <a:off x="415636" y="1163782"/>
+            <a:ext cx="11188931" cy="5509200"/>
+          </a:xfrm>
+          <a:prstGeom prst="rect">
+            <a:avLst/>
+          </a:prstGeom>
+          <a:noFill/>
+        </p:spPr>
+        <p:txBody>
+          <a:bodyPr wrap="square" rtlCol="0">
+            <a:spAutoFit/>
+          </a:bodyPr>
+          <a:lstStyle/>
+          <a:p>
+            <a:pPr marL="571500" indent="-571500">
+              <a:buFont typeface="Arial" panose="020B0604020202020204" pitchFamily="34" charset="0"/>
+              <a:buChar char="•"/>
+            </a:pPr>
+            <a:r>
+              <a:rPr lang="en-US" sz="3200" dirty="0">
+                <a:latin typeface="+mj-lt"/>
+              </a:rPr>
+              <a:t>Lizzy Jamie – elizabeth.l.jamie-1@ou.edu</a:t>
+            </a:r>
+          </a:p>
+          <a:p>
+            <a:pPr marL="571500" indent="-571500">
+              <a:buFont typeface="Arial" panose="020B0604020202020204" pitchFamily="34" charset="0"/>
+              <a:buChar char="•"/>
+            </a:pPr>
+            <a:r>
+              <a:rPr lang="en-US" sz="3200" dirty="0">
+                <a:latin typeface="+mj-lt"/>
+              </a:rPr>
+              <a:t>Jay Shoumaker – jay.w.shoumaker-1@ou.edu</a:t>
+            </a:r>
+          </a:p>
+          <a:p>
+            <a:pPr marL="571500" indent="-571500">
+              <a:buFont typeface="Arial" panose="020B0604020202020204" pitchFamily="34" charset="0"/>
+              <a:buChar char="•"/>
+            </a:pPr>
+            <a:r>
+              <a:rPr lang="en-US" sz="3200" dirty="0">
+                <a:latin typeface="+mj-lt"/>
+              </a:rPr>
+              <a:t>Joseph Tate –  joseph.a.tate-1@ou.edu</a:t>
+            </a:r>
+          </a:p>
+          <a:p>
+            <a:pPr marL="571500" indent="-571500">
+              <a:buFont typeface="Arial" panose="020B0604020202020204" pitchFamily="34" charset="0"/>
+              <a:buChar char="•"/>
+            </a:pPr>
+            <a:endParaRPr lang="en-US" sz="3200" dirty="0">
+              <a:latin typeface="+mj-lt"/>
+            </a:endParaRPr>
+          </a:p>
+          <a:p>
+            <a:pPr marL="571500" indent="-571500">
+              <a:buFont typeface="Arial" panose="020B0604020202020204" pitchFamily="34" charset="0"/>
+              <a:buChar char="•"/>
+            </a:pPr>
+            <a:r>
+              <a:rPr lang="en-US" sz="3200" dirty="0">
+                <a:latin typeface="+mj-lt"/>
+              </a:rPr>
+              <a:t>Table Space – enough to fit two laptops</a:t>
+            </a:r>
+          </a:p>
+          <a:p>
+            <a:pPr marL="571500" indent="-571500">
+              <a:buFont typeface="Arial" panose="020B0604020202020204" pitchFamily="34" charset="0"/>
+              <a:buChar char="•"/>
+            </a:pPr>
+            <a:r>
+              <a:rPr lang="en-US" sz="3200" dirty="0">
+                <a:latin typeface="+mj-lt"/>
+              </a:rPr>
+              <a:t>Floor Space – none required</a:t>
+            </a:r>
+          </a:p>
+          <a:p>
+            <a:pPr marL="571500" indent="-571500">
+              <a:buFont typeface="Arial" panose="020B0604020202020204" pitchFamily="34" charset="0"/>
+              <a:buChar char="•"/>
+            </a:pPr>
+            <a:r>
+              <a:rPr lang="en-US" sz="3200" dirty="0">
+                <a:latin typeface="+mj-lt"/>
+              </a:rPr>
+              <a:t>Electrical Outlet – yes (preferably two)</a:t>
+            </a:r>
+          </a:p>
+          <a:p>
+            <a:pPr marL="571500" indent="-571500">
+              <a:buFont typeface="Arial" panose="020B0604020202020204" pitchFamily="34" charset="0"/>
+              <a:buChar char="•"/>
+            </a:pPr>
+            <a:endParaRPr lang="en-US" sz="3200" dirty="0">
+              <a:latin typeface="+mj-lt"/>
+            </a:endParaRPr>
+          </a:p>
+          <a:p>
+            <a:pPr marL="571500" indent="-571500">
+              <a:buFont typeface="Arial" panose="020B0604020202020204" pitchFamily="34" charset="0"/>
+              <a:buChar char="•"/>
+            </a:pPr>
+            <a:r>
+              <a:rPr lang="en-US" sz="3200" dirty="0">
+                <a:latin typeface="+mj-lt"/>
+              </a:rPr>
+              <a:t>Each member should* be able to attend the Freshman Showcase</a:t>
+            </a:r>
+          </a:p>
+          <a:p>
+            <a:pPr marL="571500" indent="-571500">
+              <a:buFont typeface="Arial" panose="020B0604020202020204" pitchFamily="34" charset="0"/>
+              <a:buChar char="•"/>
+            </a:pPr>
+            <a:endParaRPr lang="en-US" sz="3200" dirty="0">
+              <a:latin typeface="+mj-lt"/>
+            </a:endParaRPr>
+          </a:p>
+        </p:txBody>
+      </p:sp>
+    </p:spTree>
+    <p:extLst>
+      <p:ext uri="{BB962C8B-B14F-4D97-AF65-F5344CB8AC3E}">
+        <p14:creationId xmlns:p14="http://schemas.microsoft.com/office/powerpoint/2010/main" val="1730171506"/>
+      </p:ext>
+    </p:extLst>
+  </p:cSld>
+  <p:clrMapOvr>
+    <a:masterClrMapping/>
+  </p:clrMapOvr>
+</p:sld>
+</file>
+
+<file path=ppt/slides/slide13.xml><?xml version="1.0" encoding="utf-8"?>
 <p:sld xmlns:a="http://schemas.openxmlformats.org/drawingml/2006/main" xmlns:r="http://schemas.openxmlformats.org/officeDocument/2006/relationships" xmlns:p="http://schemas.openxmlformats.org/presentationml/2006/main">
   <p:cSld>
     <p:bg>
@@ -18047,20 +18554,20 @@
 </file>
 
 <file path=customXml/item2.xml><?xml version="1.0" encoding="utf-8"?>
+<p:properties xmlns:p="http://schemas.microsoft.com/office/2006/metadata/properties" xmlns:xsi="http://www.w3.org/2001/XMLSchema-instance" xmlns:pc="http://schemas.microsoft.com/office/infopath/2007/PartnerControls">
+  <documentManagement>
+    <MediaServiceKeyPoints xmlns="71af3243-3dd4-4a8d-8c0d-dd76da1f02a5" xsi:nil="true"/>
+  </documentManagement>
+</p:properties>
+</file>
+
+<file path=customXml/item3.xml><?xml version="1.0" encoding="utf-8"?>
 <?mso-contentType ?>
 <FormTemplates xmlns="http://schemas.microsoft.com/sharepoint/v3/contenttype/forms">
   <Display>DocumentLibraryForm</Display>
   <Edit>DocumentLibraryForm</Edit>
   <New>DocumentLibraryForm</New>
 </FormTemplates>
-</file>
-
-<file path=customXml/item3.xml><?xml version="1.0" encoding="utf-8"?>
-<p:properties xmlns:p="http://schemas.microsoft.com/office/2006/metadata/properties" xmlns:xsi="http://www.w3.org/2001/XMLSchema-instance" xmlns:pc="http://schemas.microsoft.com/office/infopath/2007/PartnerControls">
-  <documentManagement>
-    <MediaServiceKeyPoints xmlns="71af3243-3dd4-4a8d-8c0d-dd76da1f02a5" xsi:nil="true"/>
-  </documentManagement>
-</p:properties>
 </file>
 
 <file path=customXml/itemProps1.xml><?xml version="1.0" encoding="utf-8"?>
@@ -18083,14 +18590,6 @@
 </file>
 
 <file path=customXml/itemProps2.xml><?xml version="1.0" encoding="utf-8"?>
-<ds:datastoreItem xmlns:ds="http://schemas.openxmlformats.org/officeDocument/2006/customXml" ds:itemID="{2FD05317-60D6-4B3A-8545-888496D1A8EC}">
-  <ds:schemaRefs>
-    <ds:schemaRef ds:uri="http://schemas.microsoft.com/sharepoint/v3/contenttype/forms"/>
-  </ds:schemaRefs>
-</ds:datastoreItem>
-</file>
-
-<file path=customXml/itemProps3.xml><?xml version="1.0" encoding="utf-8"?>
 <ds:datastoreItem xmlns:ds="http://schemas.openxmlformats.org/officeDocument/2006/customXml" ds:itemID="{EF609EDA-869E-4BE5-AE5D-B898C584B6FF}">
   <ds:schemaRefs>
     <ds:schemaRef ds:uri="http://purl.org/dc/terms/"/>
@@ -18105,4 +18604,12 @@
     <ds:schemaRef ds:uri="http://www.w3.org/XML/1998/namespace"/>
   </ds:schemaRefs>
 </ds:datastoreItem>
+</file>
+
+<file path=customXml/itemProps3.xml><?xml version="1.0" encoding="utf-8"?>
+<ds:datastoreItem xmlns:ds="http://schemas.openxmlformats.org/officeDocument/2006/customXml" ds:itemID="{2FD05317-60D6-4B3A-8545-888496D1A8EC}">
+  <ds:schemaRefs>
+    <ds:schemaRef ds:uri="http://schemas.microsoft.com/sharepoint/v3/contenttype/forms"/>
+  </ds:schemaRefs>
+</ds:datastoreItem>
 </file>